--- a/network_introduction_2022/material/l4/tcp.pptx
+++ b/network_introduction_2022/material/l4/tcp.pptx
@@ -17,6 +17,7 @@
     <p:sldId id="299" r:id="rId11"/>
     <p:sldId id="300" r:id="rId12"/>
     <p:sldId id="301" r:id="rId13"/>
+    <p:sldId id="302" r:id="rId14"/>
   </p:sldIdLst>
   <p:sldSz cx="12192000" cy="6858000"/>
   <p:notesSz cx="6858000" cy="9144000"/>
@@ -281,7 +282,7 @@
           <a:p>
             <a:fld id="{D8B7E551-822F-4896-9EDE-9E8F0CB865CE}" type="datetimeFigureOut">
               <a:rPr lang="it-IT" smtClean="0"/>
-              <a:t>13/12/2022</a:t>
+              <a:t>19/12/2022</a:t>
             </a:fld>
             <a:endParaRPr lang="it-IT"/>
           </a:p>
@@ -479,7 +480,7 @@
           <a:p>
             <a:fld id="{D8B7E551-822F-4896-9EDE-9E8F0CB865CE}" type="datetimeFigureOut">
               <a:rPr lang="it-IT" smtClean="0"/>
-              <a:t>13/12/2022</a:t>
+              <a:t>19/12/2022</a:t>
             </a:fld>
             <a:endParaRPr lang="it-IT"/>
           </a:p>
@@ -687,7 +688,7 @@
           <a:p>
             <a:fld id="{D8B7E551-822F-4896-9EDE-9E8F0CB865CE}" type="datetimeFigureOut">
               <a:rPr lang="it-IT" smtClean="0"/>
-              <a:t>13/12/2022</a:t>
+              <a:t>19/12/2022</a:t>
             </a:fld>
             <a:endParaRPr lang="it-IT"/>
           </a:p>
@@ -885,7 +886,7 @@
           <a:p>
             <a:fld id="{D8B7E551-822F-4896-9EDE-9E8F0CB865CE}" type="datetimeFigureOut">
               <a:rPr lang="it-IT" smtClean="0"/>
-              <a:t>13/12/2022</a:t>
+              <a:t>19/12/2022</a:t>
             </a:fld>
             <a:endParaRPr lang="it-IT"/>
           </a:p>
@@ -1160,7 +1161,7 @@
           <a:p>
             <a:fld id="{D8B7E551-822F-4896-9EDE-9E8F0CB865CE}" type="datetimeFigureOut">
               <a:rPr lang="it-IT" smtClean="0"/>
-              <a:t>13/12/2022</a:t>
+              <a:t>19/12/2022</a:t>
             </a:fld>
             <a:endParaRPr lang="it-IT"/>
           </a:p>
@@ -1425,7 +1426,7 @@
           <a:p>
             <a:fld id="{D8B7E551-822F-4896-9EDE-9E8F0CB865CE}" type="datetimeFigureOut">
               <a:rPr lang="it-IT" smtClean="0"/>
-              <a:t>13/12/2022</a:t>
+              <a:t>19/12/2022</a:t>
             </a:fld>
             <a:endParaRPr lang="it-IT"/>
           </a:p>
@@ -1837,7 +1838,7 @@
           <a:p>
             <a:fld id="{D8B7E551-822F-4896-9EDE-9E8F0CB865CE}" type="datetimeFigureOut">
               <a:rPr lang="it-IT" smtClean="0"/>
-              <a:t>13/12/2022</a:t>
+              <a:t>19/12/2022</a:t>
             </a:fld>
             <a:endParaRPr lang="it-IT"/>
           </a:p>
@@ -1978,7 +1979,7 @@
           <a:p>
             <a:fld id="{D8B7E551-822F-4896-9EDE-9E8F0CB865CE}" type="datetimeFigureOut">
               <a:rPr lang="it-IT" smtClean="0"/>
-              <a:t>13/12/2022</a:t>
+              <a:t>19/12/2022</a:t>
             </a:fld>
             <a:endParaRPr lang="it-IT"/>
           </a:p>
@@ -2091,7 +2092,7 @@
           <a:p>
             <a:fld id="{D8B7E551-822F-4896-9EDE-9E8F0CB865CE}" type="datetimeFigureOut">
               <a:rPr lang="it-IT" smtClean="0"/>
-              <a:t>13/12/2022</a:t>
+              <a:t>19/12/2022</a:t>
             </a:fld>
             <a:endParaRPr lang="it-IT"/>
           </a:p>
@@ -2402,7 +2403,7 @@
           <a:p>
             <a:fld id="{D8B7E551-822F-4896-9EDE-9E8F0CB865CE}" type="datetimeFigureOut">
               <a:rPr lang="it-IT" smtClean="0"/>
-              <a:t>13/12/2022</a:t>
+              <a:t>19/12/2022</a:t>
             </a:fld>
             <a:endParaRPr lang="it-IT"/>
           </a:p>
@@ -2690,7 +2691,7 @@
           <a:p>
             <a:fld id="{D8B7E551-822F-4896-9EDE-9E8F0CB865CE}" type="datetimeFigureOut">
               <a:rPr lang="it-IT" smtClean="0"/>
-              <a:t>13/12/2022</a:t>
+              <a:t>19/12/2022</a:t>
             </a:fld>
             <a:endParaRPr lang="it-IT"/>
           </a:p>
@@ -2931,7 +2932,7 @@
           <a:p>
             <a:fld id="{D8B7E551-822F-4896-9EDE-9E8F0CB865CE}" type="datetimeFigureOut">
               <a:rPr lang="it-IT" smtClean="0"/>
-              <a:t>13/12/2022</a:t>
+              <a:t>19/12/2022</a:t>
             </a:fld>
             <a:endParaRPr lang="it-IT"/>
           </a:p>
@@ -4143,6 +4144,264 @@
       </p:transition>
     </mc:Choice>
     <mc:Fallback xmlns="">
+      <p:transition spd="slow">
+        <p:fade/>
+      </p:transition>
+    </mc:Fallback>
+  </mc:AlternateContent>
+</p:sld>
+</file>
+
+<file path=ppt/slides/slide13.xml><?xml version="1.0" encoding="utf-8"?>
+<p:sld xmlns:a="http://schemas.openxmlformats.org/drawingml/2006/main" xmlns:r="http://schemas.openxmlformats.org/officeDocument/2006/relationships" xmlns:p="http://schemas.openxmlformats.org/presentationml/2006/main">
+  <p:cSld>
+    <p:spTree>
+      <p:nvGrpSpPr>
+        <p:cNvPr id="1" name=""/>
+        <p:cNvGrpSpPr/>
+        <p:nvPr/>
+      </p:nvGrpSpPr>
+      <p:grpSpPr>
+        <a:xfrm>
+          <a:off x="0" y="0"/>
+          <a:ext cx="0" cy="0"/>
+          <a:chOff x="0" y="0"/>
+          <a:chExt cx="0" cy="0"/>
+        </a:xfrm>
+      </p:grpSpPr>
+      <p:sp>
+        <p:nvSpPr>
+          <p:cNvPr id="5" name="Rettangolo con angoli arrotondati 4">
+            <a:extLst>
+              <a:ext uri="{FF2B5EF4-FFF2-40B4-BE49-F238E27FC236}">
+                <a16:creationId xmlns:a16="http://schemas.microsoft.com/office/drawing/2014/main" id="{9B281B25-3E31-EC1A-BB8F-795A8CC896CB}"/>
+              </a:ext>
+            </a:extLst>
+          </p:cNvPr>
+          <p:cNvSpPr/>
+          <p:nvPr/>
+        </p:nvSpPr>
+        <p:spPr>
+          <a:xfrm>
+            <a:off x="1381897" y="521279"/>
+            <a:ext cx="9428206" cy="1013254"/>
+          </a:xfrm>
+          <a:prstGeom prst="roundRect">
+            <a:avLst/>
+          </a:prstGeom>
+        </p:spPr>
+        <p:style>
+          <a:lnRef idx="2">
+            <a:schemeClr val="dk1">
+              <a:shade val="50000"/>
+            </a:schemeClr>
+          </a:lnRef>
+          <a:fillRef idx="1">
+            <a:schemeClr val="dk1"/>
+          </a:fillRef>
+          <a:effectRef idx="0">
+            <a:schemeClr val="dk1"/>
+          </a:effectRef>
+          <a:fontRef idx="minor">
+            <a:schemeClr val="lt1"/>
+          </a:fontRef>
+        </p:style>
+        <p:txBody>
+          <a:bodyPr rtlCol="0" anchor="ctr"/>
+          <a:lstStyle/>
+          <a:p>
+            <a:pPr algn="ctr"/>
+            <a:endParaRPr lang="it-IT"/>
+          </a:p>
+        </p:txBody>
+      </p:sp>
+      <p:sp>
+        <p:nvSpPr>
+          <p:cNvPr id="2" name="Titolo 1">
+            <a:extLst>
+              <a:ext uri="{FF2B5EF4-FFF2-40B4-BE49-F238E27FC236}">
+                <a16:creationId xmlns:a16="http://schemas.microsoft.com/office/drawing/2014/main" id="{89482AAA-D49C-41CC-87C3-E210C152BED8}"/>
+              </a:ext>
+            </a:extLst>
+          </p:cNvPr>
+          <p:cNvSpPr>
+            <a:spLocks noGrp="1"/>
+          </p:cNvSpPr>
+          <p:nvPr>
+            <p:ph type="title"/>
+          </p:nvPr>
+        </p:nvSpPr>
+        <p:spPr/>
+        <p:txBody>
+          <a:bodyPr>
+            <a:normAutofit/>
+          </a:bodyPr>
+          <a:lstStyle/>
+          <a:p>
+            <a:pPr algn="ctr"/>
+            <a:r>
+              <a:rPr lang="it-IT" sz="4800" dirty="0">
+                <a:solidFill>
+                  <a:schemeClr val="bg1"/>
+                </a:solidFill>
+                <a:latin typeface="Print Clearly" panose="02000000000000000000" pitchFamily="50" charset="0"/>
+              </a:rPr>
+              <a:t>TCP – </a:t>
+            </a:r>
+            <a:r>
+              <a:rPr lang="it-IT" sz="4800" dirty="0" err="1">
+                <a:solidFill>
+                  <a:schemeClr val="bg1"/>
+                </a:solidFill>
+                <a:latin typeface="Print Clearly" panose="02000000000000000000" pitchFamily="50" charset="0"/>
+              </a:rPr>
+              <a:t>Checksum</a:t>
+            </a:r>
+            <a:endParaRPr lang="it-IT" sz="4800" dirty="0">
+              <a:solidFill>
+                <a:schemeClr val="bg1"/>
+              </a:solidFill>
+              <a:latin typeface="Print Clearly" panose="02000000000000000000" pitchFamily="50" charset="0"/>
+            </a:endParaRPr>
+          </a:p>
+        </p:txBody>
+      </p:sp>
+      <p:sp>
+        <p:nvSpPr>
+          <p:cNvPr id="3" name="Segnaposto contenuto 2">
+            <a:extLst>
+              <a:ext uri="{FF2B5EF4-FFF2-40B4-BE49-F238E27FC236}">
+                <a16:creationId xmlns:a16="http://schemas.microsoft.com/office/drawing/2014/main" id="{59EEBB4E-97C2-07CF-3895-674C1DCF0740}"/>
+              </a:ext>
+            </a:extLst>
+          </p:cNvPr>
+          <p:cNvSpPr>
+            <a:spLocks noGrp="1"/>
+          </p:cNvSpPr>
+          <p:nvPr>
+            <p:ph idx="1"/>
+          </p:nvPr>
+        </p:nvSpPr>
+        <p:spPr/>
+        <p:txBody>
+          <a:bodyPr/>
+          <a:lstStyle/>
+          <a:p>
+            <a:r>
+              <a:rPr lang="it-IT" dirty="0"/>
+              <a:t>Il  </a:t>
+            </a:r>
+            <a:r>
+              <a:rPr lang="it-IT" dirty="0" err="1"/>
+              <a:t>checksum</a:t>
+            </a:r>
+            <a:r>
+              <a:rPr lang="it-IT" dirty="0"/>
+              <a:t>  è  un  campo  di  controllo  end-to-end: è  calcolato  dal mittente e verificato dal ricevitore del pacchetto che permette di capire se il contenuto del pacchetto è errato</a:t>
+            </a:r>
+          </a:p>
+          <a:p>
+            <a:r>
+              <a:rPr lang="it-IT" dirty="0"/>
+              <a:t>Aggiunge una pseudo-intestazione che contiene, fra l’altro, l’</a:t>
+            </a:r>
+            <a:r>
+              <a:rPr lang="it-IT" dirty="0" err="1"/>
+              <a:t>ip</a:t>
+            </a:r>
+            <a:r>
+              <a:rPr lang="it-IT" dirty="0"/>
+              <a:t> sorgente, l’</a:t>
+            </a:r>
+            <a:r>
+              <a:rPr lang="it-IT" dirty="0" err="1"/>
+              <a:t>ip</a:t>
+            </a:r>
+            <a:r>
+              <a:rPr lang="it-IT" dirty="0"/>
+              <a:t> destinazione e prende in considerazione i dati</a:t>
+            </a:r>
+          </a:p>
+          <a:p>
+            <a:r>
+              <a:rPr lang="it-IT" dirty="0"/>
+              <a:t>Per il TCP il calcolo del </a:t>
+            </a:r>
+            <a:r>
+              <a:rPr lang="it-IT" dirty="0" err="1"/>
+              <a:t>checksum</a:t>
+            </a:r>
+            <a:r>
+              <a:rPr lang="it-IT" dirty="0"/>
+              <a:t> è obbligatorio</a:t>
+            </a:r>
+          </a:p>
+          <a:p>
+            <a:r>
+              <a:rPr lang="it-IT" dirty="0"/>
+              <a:t>Se il pacchetto è errato, deve essere </a:t>
+            </a:r>
+            <a:r>
+              <a:rPr lang="it-IT"/>
+              <a:t>inviato nuovamente</a:t>
+            </a:r>
+            <a:endParaRPr lang="it-IT" dirty="0"/>
+          </a:p>
+        </p:txBody>
+      </p:sp>
+      <p:pic>
+        <p:nvPicPr>
+          <p:cNvPr id="4" name="Immagine 3">
+            <a:extLst>
+              <a:ext uri="{FF2B5EF4-FFF2-40B4-BE49-F238E27FC236}">
+                <a16:creationId xmlns:a16="http://schemas.microsoft.com/office/drawing/2014/main" id="{D77C5866-A614-48DA-8D6D-4A9AAB8F9B0D}"/>
+              </a:ext>
+            </a:extLst>
+          </p:cNvPr>
+          <p:cNvPicPr>
+            <a:picLocks noChangeAspect="1"/>
+          </p:cNvPicPr>
+          <p:nvPr/>
+        </p:nvPicPr>
+        <p:blipFill>
+          <a:blip r:embed="rId2">
+            <a:extLst>
+              <a:ext uri="{28A0092B-C50C-407E-A947-70E740481C1C}">
+                <a14:useLocalDpi xmlns:a14="http://schemas.microsoft.com/office/drawing/2010/main" val="0"/>
+              </a:ext>
+            </a:extLst>
+          </a:blip>
+          <a:stretch>
+            <a:fillRect/>
+          </a:stretch>
+        </p:blipFill>
+        <p:spPr>
+          <a:xfrm>
+            <a:off x="9441877" y="6129856"/>
+            <a:ext cx="2414146" cy="397754"/>
+          </a:xfrm>
+          <a:prstGeom prst="rect">
+            <a:avLst/>
+          </a:prstGeom>
+        </p:spPr>
+      </p:pic>
+    </p:spTree>
+    <p:extLst>
+      <p:ext uri="{BB962C8B-B14F-4D97-AF65-F5344CB8AC3E}">
+        <p14:creationId xmlns:p14="http://schemas.microsoft.com/office/powerpoint/2010/main" val="2408100009"/>
+      </p:ext>
+    </p:extLst>
+  </p:cSld>
+  <p:clrMapOvr>
+    <a:masterClrMapping/>
+  </p:clrMapOvr>
+  <mc:AlternateContent xmlns:mc="http://schemas.openxmlformats.org/markup-compatibility/2006">
+    <mc:Choice xmlns:p159="http://schemas.microsoft.com/office/powerpoint/2015/09/main" Requires="p159">
+      <p:transition xmlns:p14="http://schemas.microsoft.com/office/powerpoint/2010/main" spd="slow" p14:dur="2000">
+        <p159:morph option="byObject"/>
+      </p:transition>
+    </mc:Choice>
+    <mc:Fallback>
       <p:transition spd="slow">
         <p:fade/>
       </p:transition>
